--- a/PowerpointTemplater.Tests/files/ReplaceTables_output1.pptx
+++ b/PowerpointTemplater.Tests/files/ReplaceTables_output1.pptx
@@ -6,7 +6,7 @@
   </p:sldMasterIdLst>
   <p:sldIdLst>
     <p:sldId id="256" r:id="rId2"/>
-    <p:sldId id="259" r:id="Rcd4a4e5426524412"/>
+    <p:sldId id="259" r:id="R10301a0e75544e8c"/>
     <p:sldId id="258" r:id="rId4"/>
   </p:sldIdLst>
   <p:sldSz cx="9144000" cy="6858000" type="screen4x3"/>
@@ -3317,7 +3317,7 @@
           </p:nvPr>
         </p:nvPicPr>
         <p:blipFill>
-          <a:blip r:embed="Rc993b488d17c443a">
+          <a:blip r:embed="Re5f2ddcfc349467a">
             <a:extLst>
               <a:ext uri="{28A0092B-C50C-407E-A947-70E740481C1C}">
                 <a14:useLocalDpi xmlns:a14="http://schemas.microsoft.com/office/drawing/2010/main" val="0"/>

--- a/PowerpointTemplater.Tests/files/ReplaceTables_output1.pptx
+++ b/PowerpointTemplater.Tests/files/ReplaceTables_output1.pptx
@@ -6,7 +6,7 @@
   </p:sldMasterIdLst>
   <p:sldIdLst>
     <p:sldId id="256" r:id="rId2"/>
-    <p:sldId id="259" r:id="R10301a0e75544e8c"/>
+    <p:sldId id="259" r:id="Rae7f2e38ee564940"/>
     <p:sldId id="258" r:id="rId4"/>
   </p:sldIdLst>
   <p:sldSz cx="9144000" cy="6858000" type="screen4x3"/>
@@ -3317,7 +3317,7 @@
           </p:nvPr>
         </p:nvPicPr>
         <p:blipFill>
-          <a:blip r:embed="Re5f2ddcfc349467a">
+          <a:blip r:embed="R5cf7f617029d4a8c">
             <a:extLst>
               <a:ext uri="{28A0092B-C50C-407E-A947-70E740481C1C}">
                 <a14:useLocalDpi xmlns:a14="http://schemas.microsoft.com/office/drawing/2010/main" val="0"/>

--- a/PowerpointTemplater.Tests/files/ReplaceTables_output1.pptx
+++ b/PowerpointTemplater.Tests/files/ReplaceTables_output1.pptx
@@ -6,7 +6,7 @@
   </p:sldMasterIdLst>
   <p:sldIdLst>
     <p:sldId id="256" r:id="rId2"/>
-    <p:sldId id="259" r:id="Rae7f2e38ee564940"/>
+    <p:sldId id="259" r:id="Re0c86ad3fb0d442c"/>
     <p:sldId id="258" r:id="rId4"/>
   </p:sldIdLst>
   <p:sldSz cx="9144000" cy="6858000" type="screen4x3"/>
@@ -3317,7 +3317,7 @@
           </p:nvPr>
         </p:nvPicPr>
         <p:blipFill>
-          <a:blip r:embed="R5cf7f617029d4a8c">
+          <a:blip r:embed="R71abc1896cd549e8">
             <a:extLst>
               <a:ext uri="{28A0092B-C50C-407E-A947-70E740481C1C}">
                 <a14:useLocalDpi xmlns:a14="http://schemas.microsoft.com/office/drawing/2010/main" val="0"/>

--- a/PowerpointTemplater.Tests/files/ReplaceTables_output1.pptx
+++ b/PowerpointTemplater.Tests/files/ReplaceTables_output1.pptx
@@ -6,7 +6,7 @@
   </p:sldMasterIdLst>
   <p:sldIdLst>
     <p:sldId id="256" r:id="rId2"/>
-    <p:sldId id="259" r:id="Re0c86ad3fb0d442c"/>
+    <p:sldId id="259" r:id="Rc142fc3860b445fc"/>
     <p:sldId id="258" r:id="rId4"/>
   </p:sldIdLst>
   <p:sldSz cx="9144000" cy="6858000" type="screen4x3"/>
@@ -3317,7 +3317,7 @@
           </p:nvPr>
         </p:nvPicPr>
         <p:blipFill>
-          <a:blip r:embed="R71abc1896cd549e8">
+          <a:blip r:embed="R5517cd11e3af49d6">
             <a:extLst>
               <a:ext uri="{28A0092B-C50C-407E-A947-70E740481C1C}">
                 <a14:useLocalDpi xmlns:a14="http://schemas.microsoft.com/office/drawing/2010/main" val="0"/>
